--- a/Informes/Tareas 1-11-22/Tarea 1/Safety AAM (Tarea1).pptx
+++ b/Informes/Tareas 1-11-22/Tarea 1/Safety AAM (Tarea1).pptx
@@ -6,7 +6,6 @@
   </p:sldMasterIdLst>
   <p:sldIdLst>
     <p:sldId id="256" r:id="rId2"/>
-    <p:sldId id="257" r:id="rId3"/>
   </p:sldIdLst>
   <p:sldSz cx="12192000" cy="6858000"/>
   <p:notesSz cx="6858000" cy="9144000"/>
@@ -1530,7 +1529,7 @@
           <a:p>
             <a:fld id="{4A34B692-C451-4D2B-8DED-F648317528E1}" type="datetimeFigureOut">
               <a:rPr lang="es-CO" smtClean="0"/>
-              <a:t>2/11/2022</a:t>
+              <a:t>3/11/2022</a:t>
             </a:fld>
             <a:endParaRPr lang="es-CO" dirty="0"/>
           </a:p>
@@ -1730,7 +1729,7 @@
           <a:p>
             <a:fld id="{4A34B692-C451-4D2B-8DED-F648317528E1}" type="datetimeFigureOut">
               <a:rPr lang="es-CO" smtClean="0"/>
-              <a:t>2/11/2022</a:t>
+              <a:t>3/11/2022</a:t>
             </a:fld>
             <a:endParaRPr lang="es-CO" dirty="0"/>
           </a:p>
@@ -1940,7 +1939,7 @@
           <a:p>
             <a:fld id="{4A34B692-C451-4D2B-8DED-F648317528E1}" type="datetimeFigureOut">
               <a:rPr lang="es-CO" smtClean="0"/>
-              <a:t>2/11/2022</a:t>
+              <a:t>3/11/2022</a:t>
             </a:fld>
             <a:endParaRPr lang="es-CO" dirty="0"/>
           </a:p>
@@ -2140,7 +2139,7 @@
           <a:p>
             <a:fld id="{4A34B692-C451-4D2B-8DED-F648317528E1}" type="datetimeFigureOut">
               <a:rPr lang="es-CO" smtClean="0"/>
-              <a:t>2/11/2022</a:t>
+              <a:t>3/11/2022</a:t>
             </a:fld>
             <a:endParaRPr lang="es-CO" dirty="0"/>
           </a:p>
@@ -2416,7 +2415,7 @@
           <a:p>
             <a:fld id="{4A34B692-C451-4D2B-8DED-F648317528E1}" type="datetimeFigureOut">
               <a:rPr lang="es-CO" smtClean="0"/>
-              <a:t>2/11/2022</a:t>
+              <a:t>3/11/2022</a:t>
             </a:fld>
             <a:endParaRPr lang="es-CO" dirty="0"/>
           </a:p>
@@ -2684,7 +2683,7 @@
           <a:p>
             <a:fld id="{4A34B692-C451-4D2B-8DED-F648317528E1}" type="datetimeFigureOut">
               <a:rPr lang="es-CO" smtClean="0"/>
-              <a:t>2/11/2022</a:t>
+              <a:t>3/11/2022</a:t>
             </a:fld>
             <a:endParaRPr lang="es-CO" dirty="0"/>
           </a:p>
@@ -3099,7 +3098,7 @@
           <a:p>
             <a:fld id="{4A34B692-C451-4D2B-8DED-F648317528E1}" type="datetimeFigureOut">
               <a:rPr lang="es-CO" smtClean="0"/>
-              <a:t>2/11/2022</a:t>
+              <a:t>3/11/2022</a:t>
             </a:fld>
             <a:endParaRPr lang="es-CO" dirty="0"/>
           </a:p>
@@ -3241,7 +3240,7 @@
           <a:p>
             <a:fld id="{4A34B692-C451-4D2B-8DED-F648317528E1}" type="datetimeFigureOut">
               <a:rPr lang="es-CO" smtClean="0"/>
-              <a:t>2/11/2022</a:t>
+              <a:t>3/11/2022</a:t>
             </a:fld>
             <a:endParaRPr lang="es-CO" dirty="0"/>
           </a:p>
@@ -3354,7 +3353,7 @@
           <a:p>
             <a:fld id="{4A34B692-C451-4D2B-8DED-F648317528E1}" type="datetimeFigureOut">
               <a:rPr lang="es-CO" smtClean="0"/>
-              <a:t>2/11/2022</a:t>
+              <a:t>3/11/2022</a:t>
             </a:fld>
             <a:endParaRPr lang="es-CO" dirty="0"/>
           </a:p>
@@ -3667,7 +3666,7 @@
           <a:p>
             <a:fld id="{4A34B692-C451-4D2B-8DED-F648317528E1}" type="datetimeFigureOut">
               <a:rPr lang="es-CO" smtClean="0"/>
-              <a:t>2/11/2022</a:t>
+              <a:t>3/11/2022</a:t>
             </a:fld>
             <a:endParaRPr lang="es-CO" dirty="0"/>
           </a:p>
@@ -3956,7 +3955,7 @@
           <a:p>
             <a:fld id="{4A34B692-C451-4D2B-8DED-F648317528E1}" type="datetimeFigureOut">
               <a:rPr lang="es-CO" smtClean="0"/>
-              <a:t>2/11/2022</a:t>
+              <a:t>3/11/2022</a:t>
             </a:fld>
             <a:endParaRPr lang="es-CO" dirty="0"/>
           </a:p>
@@ -4199,7 +4198,7 @@
           <a:p>
             <a:fld id="{4A34B692-C451-4D2B-8DED-F648317528E1}" type="datetimeFigureOut">
               <a:rPr lang="es-CO" smtClean="0"/>
-              <a:t>2/11/2022</a:t>
+              <a:t>3/11/2022</a:t>
             </a:fld>
             <a:endParaRPr lang="es-CO" dirty="0"/>
           </a:p>
@@ -4665,7 +4664,7 @@
                 </a:solidFill>
                 <a:effectLst/>
               </a:rPr>
-              <a:t>The majority of aviation fatalities that occur each year (85%) involved private aircraft (known as “general aviation”)</a:t>
+              <a:t>Most aviation fatalities that occur each year (85%) involved private aircraft (known as “general aviation”)</a:t>
             </a:r>
           </a:p>
           <a:p>
@@ -4970,61 +4969,6 @@
     <p:extLst>
       <p:ext uri="{BB962C8B-B14F-4D97-AF65-F5344CB8AC3E}">
         <p14:creationId xmlns:p14="http://schemas.microsoft.com/office/powerpoint/2010/main" val="2180795398"/>
-      </p:ext>
-    </p:extLst>
-  </p:cSld>
-  <p:clrMapOvr>
-    <a:masterClrMapping/>
-  </p:clrMapOvr>
-</p:sld>
-</file>
-
-<file path=ppt/slides/slide2.xml><?xml version="1.0" encoding="utf-8"?>
-<p:sld xmlns:a="http://schemas.openxmlformats.org/drawingml/2006/main" xmlns:r="http://schemas.openxmlformats.org/officeDocument/2006/relationships" xmlns:p="http://schemas.openxmlformats.org/presentationml/2006/main">
-  <p:cSld>
-    <p:spTree>
-      <p:nvGrpSpPr>
-        <p:cNvPr id="1" name=""/>
-        <p:cNvGrpSpPr/>
-        <p:nvPr/>
-      </p:nvGrpSpPr>
-      <p:grpSpPr>
-        <a:xfrm>
-          <a:off x="0" y="0"/>
-          <a:ext cx="0" cy="0"/>
-          <a:chOff x="0" y="0"/>
-          <a:chExt cx="0" cy="0"/>
-        </a:xfrm>
-      </p:grpSpPr>
-      <p:sp>
-        <p:nvSpPr>
-          <p:cNvPr id="4" name="Título 3">
-            <a:extLst>
-              <a:ext uri="{FF2B5EF4-FFF2-40B4-BE49-F238E27FC236}">
-                <a16:creationId xmlns:a16="http://schemas.microsoft.com/office/drawing/2014/main" id="{99BF0174-1600-BDE1-3B4F-660AD94F6708}"/>
-              </a:ext>
-            </a:extLst>
-          </p:cNvPr>
-          <p:cNvSpPr>
-            <a:spLocks noGrp="1"/>
-          </p:cNvSpPr>
-          <p:nvPr>
-            <p:ph type="title"/>
-          </p:nvPr>
-        </p:nvSpPr>
-        <p:spPr/>
-        <p:txBody>
-          <a:bodyPr/>
-          <a:lstStyle/>
-          <a:p>
-            <a:endParaRPr lang="es-CO"/>
-          </a:p>
-        </p:txBody>
-      </p:sp>
-    </p:spTree>
-    <p:extLst>
-      <p:ext uri="{BB962C8B-B14F-4D97-AF65-F5344CB8AC3E}">
-        <p14:creationId xmlns:p14="http://schemas.microsoft.com/office/powerpoint/2010/main" val="243876126"/>
       </p:ext>
     </p:extLst>
   </p:cSld>
